--- a/doc/figures/figure.pptx
+++ b/doc/figures/figure.pptx
@@ -6,6 +6,7 @@
   </p:sldMasterIdLst>
   <p:sldIdLst>
     <p:sldId id="256" r:id="rId2"/>
+    <p:sldId id="257" r:id="rId3"/>
   </p:sldIdLst>
   <p:sldSz cx="12192000" cy="6858000"/>
   <p:notesSz cx="6858000" cy="9144000"/>
@@ -104,6 +105,11 @@
       </a:defRPr>
     </a:lvl9pPr>
   </p:defaultTextStyle>
+  <p:extLst>
+    <p:ext uri="{EFAFB233-063F-42B5-8137-9DF3F51BA10A}">
+      <p15:sldGuideLst xmlns:p15="http://schemas.microsoft.com/office/powerpoint/2012/main"/>
+    </p:ext>
+  </p:extLst>
 </p:presentation>
 </file>
 
@@ -5007,6 +5013,992 @@
 </p:sld>
 </file>
 
+<file path=ppt/slides/slide2.xml><?xml version="1.0" encoding="utf-8"?>
+<p:sld xmlns:a="http://schemas.openxmlformats.org/drawingml/2006/main" xmlns:r="http://schemas.openxmlformats.org/officeDocument/2006/relationships" xmlns:p="http://schemas.openxmlformats.org/presentationml/2006/main">
+  <p:cSld>
+    <p:spTree>
+      <p:nvGrpSpPr>
+        <p:cNvPr id="1" name=""/>
+        <p:cNvGrpSpPr/>
+        <p:nvPr/>
+      </p:nvGrpSpPr>
+      <p:grpSpPr>
+        <a:xfrm>
+          <a:off x="0" y="0"/>
+          <a:ext cx="0" cy="0"/>
+          <a:chOff x="0" y="0"/>
+          <a:chExt cx="0" cy="0"/>
+        </a:xfrm>
+      </p:grpSpPr>
+      <p:graphicFrame>
+        <p:nvGraphicFramePr>
+          <p:cNvPr id="5" name="表格 5">
+            <a:extLst>
+              <a:ext uri="{FF2B5EF4-FFF2-40B4-BE49-F238E27FC236}">
+                <a16:creationId xmlns:a16="http://schemas.microsoft.com/office/drawing/2014/main" id="{4C34FC55-33CC-4652-9C9C-D3C5A70C9347}"/>
+              </a:ext>
+            </a:extLst>
+          </p:cNvPr>
+          <p:cNvGraphicFramePr>
+            <a:graphicFrameLocks noGrp="1"/>
+          </p:cNvGraphicFramePr>
+          <p:nvPr>
+            <p:extLst>
+              <p:ext uri="{D42A27DB-BD31-4B8C-83A1-F6EECF244321}">
+                <p14:modId xmlns:p14="http://schemas.microsoft.com/office/powerpoint/2010/main" val="2029473310"/>
+              </p:ext>
+            </p:extLst>
+          </p:nvPr>
+        </p:nvGraphicFramePr>
+        <p:xfrm>
+          <a:off x="2717800" y="2532679"/>
+          <a:ext cx="5568944" cy="741680"/>
+        </p:xfrm>
+        <a:graphic>
+          <a:graphicData uri="http://schemas.openxmlformats.org/drawingml/2006/table">
+            <a:tbl>
+              <a:tblPr>
+                <a:tableStyleId>{D7AC3CCA-C797-4891-BE02-D94E43425B78}</a:tableStyleId>
+              </a:tblPr>
+              <a:tblGrid>
+                <a:gridCol w="696118">
+                  <a:extLst>
+                    <a:ext uri="{9D8B030D-6E8A-4147-A177-3AD203B41FA5}">
+                      <a16:colId xmlns:a16="http://schemas.microsoft.com/office/drawing/2014/main" val="2467493873"/>
+                    </a:ext>
+                  </a:extLst>
+                </a:gridCol>
+                <a:gridCol w="696118">
+                  <a:extLst>
+                    <a:ext uri="{9D8B030D-6E8A-4147-A177-3AD203B41FA5}">
+                      <a16:colId xmlns:a16="http://schemas.microsoft.com/office/drawing/2014/main" val="316997034"/>
+                    </a:ext>
+                  </a:extLst>
+                </a:gridCol>
+                <a:gridCol w="696118">
+                  <a:extLst>
+                    <a:ext uri="{9D8B030D-6E8A-4147-A177-3AD203B41FA5}">
+                      <a16:colId xmlns:a16="http://schemas.microsoft.com/office/drawing/2014/main" val="1342523457"/>
+                    </a:ext>
+                  </a:extLst>
+                </a:gridCol>
+                <a:gridCol w="696118">
+                  <a:extLst>
+                    <a:ext uri="{9D8B030D-6E8A-4147-A177-3AD203B41FA5}">
+                      <a16:colId xmlns:a16="http://schemas.microsoft.com/office/drawing/2014/main" val="3077185817"/>
+                    </a:ext>
+                  </a:extLst>
+                </a:gridCol>
+                <a:gridCol w="696118">
+                  <a:extLst>
+                    <a:ext uri="{9D8B030D-6E8A-4147-A177-3AD203B41FA5}">
+                      <a16:colId xmlns:a16="http://schemas.microsoft.com/office/drawing/2014/main" val="850282050"/>
+                    </a:ext>
+                  </a:extLst>
+                </a:gridCol>
+                <a:gridCol w="696118">
+                  <a:extLst>
+                    <a:ext uri="{9D8B030D-6E8A-4147-A177-3AD203B41FA5}">
+                      <a16:colId xmlns:a16="http://schemas.microsoft.com/office/drawing/2014/main" val="3122991660"/>
+                    </a:ext>
+                  </a:extLst>
+                </a:gridCol>
+                <a:gridCol w="696118">
+                  <a:extLst>
+                    <a:ext uri="{9D8B030D-6E8A-4147-A177-3AD203B41FA5}">
+                      <a16:colId xmlns:a16="http://schemas.microsoft.com/office/drawing/2014/main" val="3481932219"/>
+                    </a:ext>
+                  </a:extLst>
+                </a:gridCol>
+                <a:gridCol w="696118">
+                  <a:extLst>
+                    <a:ext uri="{9D8B030D-6E8A-4147-A177-3AD203B41FA5}">
+                      <a16:colId xmlns:a16="http://schemas.microsoft.com/office/drawing/2014/main" val="1747229037"/>
+                    </a:ext>
+                  </a:extLst>
+                </a:gridCol>
+              </a:tblGrid>
+              <a:tr h="370840">
+                <a:tc>
+                  <a:txBody>
+                    <a:bodyPr/>
+                    <a:lstStyle/>
+                    <a:p>
+                      <a:r>
+                        <a:rPr lang="en-US" altLang="zh-CN" dirty="0">
+                          <a:latin typeface="Cambria Math" panose="02040503050406030204" pitchFamily="18" charset="0"/>
+                          <a:ea typeface="Cambria Math" panose="02040503050406030204" pitchFamily="18" charset="0"/>
+                        </a:rPr>
+                        <a:t>0</a:t>
+                      </a:r>
+                      <a:endParaRPr lang="zh-CN" altLang="en-US" dirty="0">
+                        <a:latin typeface="Cambria Math" panose="02040503050406030204" pitchFamily="18" charset="0"/>
+                      </a:endParaRPr>
+                    </a:p>
+                  </a:txBody>
+                  <a:tcPr>
+                    <a:solidFill>
+                      <a:schemeClr val="bg1"/>
+                    </a:solidFill>
+                  </a:tcPr>
+                </a:tc>
+                <a:tc>
+                  <a:txBody>
+                    <a:bodyPr/>
+                    <a:lstStyle/>
+                    <a:p>
+                      <a:r>
+                        <a:rPr lang="en-US" altLang="zh-CN" dirty="0">
+                          <a:latin typeface="Cambria Math" panose="02040503050406030204" pitchFamily="18" charset="0"/>
+                          <a:ea typeface="Cambria Math" panose="02040503050406030204" pitchFamily="18" charset="0"/>
+                        </a:rPr>
+                        <a:t>1</a:t>
+                      </a:r>
+                      <a:endParaRPr lang="zh-CN" altLang="en-US" dirty="0">
+                        <a:latin typeface="Cambria Math" panose="02040503050406030204" pitchFamily="18" charset="0"/>
+                      </a:endParaRPr>
+                    </a:p>
+                  </a:txBody>
+                  <a:tcPr>
+                    <a:solidFill>
+                      <a:schemeClr val="bg1"/>
+                    </a:solidFill>
+                  </a:tcPr>
+                </a:tc>
+                <a:tc>
+                  <a:txBody>
+                    <a:bodyPr/>
+                    <a:lstStyle/>
+                    <a:p>
+                      <a:r>
+                        <a:rPr lang="en-US" altLang="zh-CN" dirty="0">
+                          <a:latin typeface="Cambria Math" panose="02040503050406030204" pitchFamily="18" charset="0"/>
+                          <a:ea typeface="Cambria Math" panose="02040503050406030204" pitchFamily="18" charset="0"/>
+                        </a:rPr>
+                        <a:t>2</a:t>
+                      </a:r>
+                      <a:endParaRPr lang="zh-CN" altLang="en-US" dirty="0">
+                        <a:latin typeface="Cambria Math" panose="02040503050406030204" pitchFamily="18" charset="0"/>
+                      </a:endParaRPr>
+                    </a:p>
+                  </a:txBody>
+                  <a:tcPr>
+                    <a:solidFill>
+                      <a:schemeClr val="bg1"/>
+                    </a:solidFill>
+                  </a:tcPr>
+                </a:tc>
+                <a:tc>
+                  <a:txBody>
+                    <a:bodyPr/>
+                    <a:lstStyle/>
+                    <a:p>
+                      <a:r>
+                        <a:rPr lang="en-US" altLang="zh-CN" dirty="0">
+                          <a:latin typeface="Cambria Math" panose="02040503050406030204" pitchFamily="18" charset="0"/>
+                          <a:ea typeface="Cambria Math" panose="02040503050406030204" pitchFamily="18" charset="0"/>
+                        </a:rPr>
+                        <a:t>3</a:t>
+                      </a:r>
+                      <a:endParaRPr lang="zh-CN" altLang="en-US" dirty="0">
+                        <a:latin typeface="Cambria Math" panose="02040503050406030204" pitchFamily="18" charset="0"/>
+                      </a:endParaRPr>
+                    </a:p>
+                  </a:txBody>
+                  <a:tcPr>
+                    <a:solidFill>
+                      <a:schemeClr val="bg1"/>
+                    </a:solidFill>
+                  </a:tcPr>
+                </a:tc>
+                <a:tc>
+                  <a:txBody>
+                    <a:bodyPr/>
+                    <a:lstStyle/>
+                    <a:p>
+                      <a:r>
+                        <a:rPr lang="en-US" altLang="zh-CN" dirty="0">
+                          <a:latin typeface="Cambria Math" panose="02040503050406030204" pitchFamily="18" charset="0"/>
+                          <a:ea typeface="Cambria Math" panose="02040503050406030204" pitchFamily="18" charset="0"/>
+                        </a:rPr>
+                        <a:t>4</a:t>
+                      </a:r>
+                      <a:endParaRPr lang="zh-CN" altLang="en-US" dirty="0">
+                        <a:latin typeface="Cambria Math" panose="02040503050406030204" pitchFamily="18" charset="0"/>
+                      </a:endParaRPr>
+                    </a:p>
+                  </a:txBody>
+                  <a:tcPr>
+                    <a:solidFill>
+                      <a:schemeClr val="bg1"/>
+                    </a:solidFill>
+                  </a:tcPr>
+                </a:tc>
+                <a:tc>
+                  <a:txBody>
+                    <a:bodyPr/>
+                    <a:lstStyle/>
+                    <a:p>
+                      <a:r>
+                        <a:rPr lang="en-US" altLang="zh-CN" dirty="0">
+                          <a:latin typeface="Cambria Math" panose="02040503050406030204" pitchFamily="18" charset="0"/>
+                          <a:ea typeface="Cambria Math" panose="02040503050406030204" pitchFamily="18" charset="0"/>
+                        </a:rPr>
+                        <a:t>5</a:t>
+                      </a:r>
+                      <a:endParaRPr lang="zh-CN" altLang="en-US" dirty="0">
+                        <a:latin typeface="Cambria Math" panose="02040503050406030204" pitchFamily="18" charset="0"/>
+                      </a:endParaRPr>
+                    </a:p>
+                  </a:txBody>
+                  <a:tcPr>
+                    <a:solidFill>
+                      <a:schemeClr val="bg1"/>
+                    </a:solidFill>
+                  </a:tcPr>
+                </a:tc>
+                <a:tc>
+                  <a:txBody>
+                    <a:bodyPr/>
+                    <a:lstStyle/>
+                    <a:p>
+                      <a:r>
+                        <a:rPr lang="en-US" altLang="zh-CN" dirty="0">
+                          <a:latin typeface="Cambria Math" panose="02040503050406030204" pitchFamily="18" charset="0"/>
+                          <a:ea typeface="Cambria Math" panose="02040503050406030204" pitchFamily="18" charset="0"/>
+                        </a:rPr>
+                        <a:t>6</a:t>
+                      </a:r>
+                      <a:endParaRPr lang="zh-CN" altLang="en-US" dirty="0">
+                        <a:latin typeface="Cambria Math" panose="02040503050406030204" pitchFamily="18" charset="0"/>
+                      </a:endParaRPr>
+                    </a:p>
+                  </a:txBody>
+                  <a:tcPr>
+                    <a:solidFill>
+                      <a:schemeClr val="bg1"/>
+                    </a:solidFill>
+                  </a:tcPr>
+                </a:tc>
+                <a:tc>
+                  <a:txBody>
+                    <a:bodyPr/>
+                    <a:lstStyle/>
+                    <a:p>
+                      <a:r>
+                        <a:rPr lang="en-US" altLang="zh-CN" dirty="0">
+                          <a:latin typeface="Cambria Math" panose="02040503050406030204" pitchFamily="18" charset="0"/>
+                          <a:ea typeface="Cambria Math" panose="02040503050406030204" pitchFamily="18" charset="0"/>
+                        </a:rPr>
+                        <a:t>7</a:t>
+                      </a:r>
+                      <a:endParaRPr lang="zh-CN" altLang="en-US" dirty="0">
+                        <a:latin typeface="Cambria Math" panose="02040503050406030204" pitchFamily="18" charset="0"/>
+                      </a:endParaRPr>
+                    </a:p>
+                  </a:txBody>
+                  <a:tcPr>
+                    <a:solidFill>
+                      <a:schemeClr val="bg1"/>
+                    </a:solidFill>
+                  </a:tcPr>
+                </a:tc>
+                <a:extLst>
+                  <a:ext uri="{0D108BD9-81ED-4DB2-BD59-A6C34878D82A}">
+                    <a16:rowId xmlns:a16="http://schemas.microsoft.com/office/drawing/2014/main" val="912504750"/>
+                  </a:ext>
+                </a:extLst>
+              </a:tr>
+              <a:tr h="370840">
+                <a:tc>
+                  <a:txBody>
+                    <a:bodyPr/>
+                    <a:lstStyle/>
+                    <a:p>
+                      <a:r>
+                        <a:rPr lang="en-US" altLang="zh-CN" dirty="0">
+                          <a:latin typeface="Cambria Math" panose="02040503050406030204" pitchFamily="18" charset="0"/>
+                        </a:rPr>
+                        <a:t>0</a:t>
+                      </a:r>
+                      <a:endParaRPr lang="zh-CN" altLang="en-US" dirty="0">
+                        <a:latin typeface="Cambria Math" panose="02040503050406030204" pitchFamily="18" charset="0"/>
+                      </a:endParaRPr>
+                    </a:p>
+                  </a:txBody>
+                  <a:tcPr>
+                    <a:solidFill>
+                      <a:schemeClr val="bg1"/>
+                    </a:solidFill>
+                  </a:tcPr>
+                </a:tc>
+                <a:tc>
+                  <a:txBody>
+                    <a:bodyPr/>
+                    <a:lstStyle/>
+                    <a:p>
+                      <a:r>
+                        <a:rPr lang="en-US" altLang="zh-CN" dirty="0">
+                          <a:latin typeface="Cambria Math" panose="02040503050406030204" pitchFamily="18" charset="0"/>
+                        </a:rPr>
+                        <a:t>0.26</a:t>
+                      </a:r>
+                      <a:endParaRPr lang="zh-CN" altLang="en-US" dirty="0">
+                        <a:latin typeface="Cambria Math" panose="02040503050406030204" pitchFamily="18" charset="0"/>
+                      </a:endParaRPr>
+                    </a:p>
+                  </a:txBody>
+                  <a:tcPr>
+                    <a:solidFill>
+                      <a:schemeClr val="bg1"/>
+                    </a:solidFill>
+                  </a:tcPr>
+                </a:tc>
+                <a:tc>
+                  <a:txBody>
+                    <a:bodyPr/>
+                    <a:lstStyle/>
+                    <a:p>
+                      <a:r>
+                        <a:rPr lang="en-US" altLang="zh-CN" dirty="0">
+                          <a:latin typeface="Cambria Math" panose="02040503050406030204" pitchFamily="18" charset="0"/>
+                        </a:rPr>
+                        <a:t>1.17</a:t>
+                      </a:r>
+                      <a:endParaRPr lang="zh-CN" altLang="en-US" dirty="0">
+                        <a:latin typeface="Cambria Math" panose="02040503050406030204" pitchFamily="18" charset="0"/>
+                      </a:endParaRPr>
+                    </a:p>
+                  </a:txBody>
+                  <a:tcPr>
+                    <a:solidFill>
+                      <a:schemeClr val="bg1"/>
+                    </a:solidFill>
+                  </a:tcPr>
+                </a:tc>
+                <a:tc>
+                  <a:txBody>
+                    <a:bodyPr/>
+                    <a:lstStyle/>
+                    <a:p>
+                      <a:r>
+                        <a:rPr lang="en-US" altLang="zh-CN" dirty="0">
+                          <a:latin typeface="Cambria Math" panose="02040503050406030204" pitchFamily="18" charset="0"/>
+                        </a:rPr>
+                        <a:t>2.07</a:t>
+                      </a:r>
+                      <a:endParaRPr lang="zh-CN" altLang="en-US" dirty="0">
+                        <a:latin typeface="Cambria Math" panose="02040503050406030204" pitchFamily="18" charset="0"/>
+                      </a:endParaRPr>
+                    </a:p>
+                  </a:txBody>
+                  <a:tcPr>
+                    <a:solidFill>
+                      <a:schemeClr val="bg1"/>
+                    </a:solidFill>
+                  </a:tcPr>
+                </a:tc>
+                <a:tc>
+                  <a:txBody>
+                    <a:bodyPr/>
+                    <a:lstStyle/>
+                    <a:p>
+                      <a:r>
+                        <a:rPr lang="en-US" altLang="zh-CN" dirty="0">
+                          <a:latin typeface="Cambria Math" panose="02040503050406030204" pitchFamily="18" charset="0"/>
+                        </a:rPr>
+                        <a:t>-2.32</a:t>
+                      </a:r>
+                      <a:endParaRPr lang="zh-CN" altLang="en-US" dirty="0">
+                        <a:latin typeface="Cambria Math" panose="02040503050406030204" pitchFamily="18" charset="0"/>
+                      </a:endParaRPr>
+                    </a:p>
+                  </a:txBody>
+                  <a:tcPr>
+                    <a:solidFill>
+                      <a:schemeClr val="bg1"/>
+                    </a:solidFill>
+                  </a:tcPr>
+                </a:tc>
+                <a:tc>
+                  <a:txBody>
+                    <a:bodyPr/>
+                    <a:lstStyle/>
+                    <a:p>
+                      <a:r>
+                        <a:rPr lang="en-US" altLang="zh-CN" dirty="0">
+                          <a:latin typeface="Cambria Math" panose="02040503050406030204" pitchFamily="18" charset="0"/>
+                        </a:rPr>
+                        <a:t>-0.02</a:t>
+                      </a:r>
+                      <a:endParaRPr lang="zh-CN" altLang="en-US" dirty="0">
+                        <a:latin typeface="Cambria Math" panose="02040503050406030204" pitchFamily="18" charset="0"/>
+                      </a:endParaRPr>
+                    </a:p>
+                  </a:txBody>
+                  <a:tcPr>
+                    <a:solidFill>
+                      <a:schemeClr val="bg1"/>
+                    </a:solidFill>
+                  </a:tcPr>
+                </a:tc>
+                <a:tc>
+                  <a:txBody>
+                    <a:bodyPr/>
+                    <a:lstStyle/>
+                    <a:p>
+                      <a:r>
+                        <a:rPr lang="en-US" altLang="zh-CN" dirty="0">
+                          <a:latin typeface="Cambria Math" panose="02040503050406030204" pitchFamily="18" charset="0"/>
+                        </a:rPr>
+                        <a:t>2.27</a:t>
+                      </a:r>
+                      <a:endParaRPr lang="zh-CN" altLang="en-US" dirty="0">
+                        <a:latin typeface="Cambria Math" panose="02040503050406030204" pitchFamily="18" charset="0"/>
+                      </a:endParaRPr>
+                    </a:p>
+                  </a:txBody>
+                  <a:tcPr>
+                    <a:solidFill>
+                      <a:schemeClr val="bg1"/>
+                    </a:solidFill>
+                  </a:tcPr>
+                </a:tc>
+                <a:tc>
+                  <a:txBody>
+                    <a:bodyPr/>
+                    <a:lstStyle/>
+                    <a:p>
+                      <a:r>
+                        <a:rPr lang="en-US" altLang="zh-CN" dirty="0">
+                          <a:latin typeface="Cambria Math" panose="02040503050406030204" pitchFamily="18" charset="0"/>
+                        </a:rPr>
+                        <a:t>4.59</a:t>
+                      </a:r>
+                      <a:endParaRPr lang="zh-CN" altLang="en-US" dirty="0">
+                        <a:latin typeface="Cambria Math" panose="02040503050406030204" pitchFamily="18" charset="0"/>
+                      </a:endParaRPr>
+                    </a:p>
+                  </a:txBody>
+                  <a:tcPr>
+                    <a:solidFill>
+                      <a:schemeClr val="bg1"/>
+                    </a:solidFill>
+                  </a:tcPr>
+                </a:tc>
+                <a:extLst>
+                  <a:ext uri="{0D108BD9-81ED-4DB2-BD59-A6C34878D82A}">
+                    <a16:rowId xmlns:a16="http://schemas.microsoft.com/office/drawing/2014/main" val="3089457675"/>
+                  </a:ext>
+                </a:extLst>
+              </a:tr>
+            </a:tbl>
+          </a:graphicData>
+        </a:graphic>
+      </p:graphicFrame>
+      <p:sp>
+        <p:nvSpPr>
+          <p:cNvPr id="6" name="文本框 5">
+            <a:extLst>
+              <a:ext uri="{FF2B5EF4-FFF2-40B4-BE49-F238E27FC236}">
+                <a16:creationId xmlns:a16="http://schemas.microsoft.com/office/drawing/2014/main" id="{5A58A1E6-EB33-441A-AC72-ED6340A8ADD2}"/>
+              </a:ext>
+            </a:extLst>
+          </p:cNvPr>
+          <p:cNvSpPr txBox="1"/>
+          <p:nvPr/>
+        </p:nvSpPr>
+        <p:spPr>
+          <a:xfrm>
+            <a:off x="2717800" y="1481667"/>
+            <a:ext cx="5009705" cy="584775"/>
+          </a:xfrm>
+          <a:prstGeom prst="rect">
+            <a:avLst/>
+          </a:prstGeom>
+          <a:noFill/>
+        </p:spPr>
+        <p:txBody>
+          <a:bodyPr wrap="none" rtlCol="0">
+            <a:spAutoFit/>
+          </a:bodyPr>
+          <a:lstStyle/>
+          <a:p>
+            <a:r>
+              <a:rPr lang="en-US" altLang="zh-CN" sz="1600" dirty="0">
+                <a:latin typeface="Consolas" panose="020B0609020204030204" pitchFamily="49" charset="0"/>
+                <a:ea typeface="Cambria Math" panose="02040503050406030204" pitchFamily="18" charset="0"/>
+              </a:rPr>
+              <a:t>values= [0.7,   -4.2, 24.1,   0.2, 0, -1.2]</a:t>
+            </a:r>
+          </a:p>
+          <a:p>
+            <a:r>
+              <a:rPr lang="en-US" altLang="zh-CN" sz="1600" dirty="0" err="1">
+                <a:latin typeface="Consolas" panose="020B0609020204030204" pitchFamily="49" charset="0"/>
+                <a:ea typeface="Cambria Math" panose="02040503050406030204" pitchFamily="18" charset="0"/>
+              </a:rPr>
+              <a:t>exps</a:t>
+            </a:r>
+            <a:r>
+              <a:rPr lang="en-US" altLang="zh-CN" sz="1600" dirty="0">
+                <a:latin typeface="Consolas" panose="020B0609020204030204" pitchFamily="49" charset="0"/>
+                <a:ea typeface="Cambria Math" panose="02040503050406030204" pitchFamily="18" charset="0"/>
+              </a:rPr>
+              <a:t>=   [-0.51, 2.07, 4.59, -2.32, 0, 0.26]</a:t>
+            </a:r>
+          </a:p>
+        </p:txBody>
+      </p:sp>
+      <mc:AlternateContent xmlns:mc="http://schemas.openxmlformats.org/markup-compatibility/2006">
+        <mc:Choice xmlns:a14="http://schemas.microsoft.com/office/drawing/2010/main" Requires="a14">
+          <p:sp>
+            <p:nvSpPr>
+              <p:cNvPr id="8" name="文本框 7">
+                <a:extLst>
+                  <a:ext uri="{FF2B5EF4-FFF2-40B4-BE49-F238E27FC236}">
+                    <a16:creationId xmlns:a16="http://schemas.microsoft.com/office/drawing/2014/main" id="{995EC524-A446-4042-B1FD-AC68589D19B4}"/>
+                  </a:ext>
+                </a:extLst>
+              </p:cNvPr>
+              <p:cNvSpPr txBox="1"/>
+              <p:nvPr/>
+            </p:nvSpPr>
+            <p:spPr>
+              <a:xfrm>
+                <a:off x="5531887" y="2066439"/>
+                <a:ext cx="2754857" cy="276999"/>
+              </a:xfrm>
+              <a:prstGeom prst="rect">
+                <a:avLst/>
+              </a:prstGeom>
+              <a:noFill/>
+            </p:spPr>
+            <p:txBody>
+              <a:bodyPr wrap="none" lIns="0" tIns="0" rIns="0" bIns="0" rtlCol="0">
+                <a:spAutoFit/>
+              </a:bodyPr>
+              <a:lstStyle/>
+              <a:p>
+                <a:pPr/>
+                <a14:m>
+                  <m:oMathPara xmlns:m="http://schemas.openxmlformats.org/officeDocument/2006/math">
+                    <m:oMathParaPr>
+                      <m:jc m:val="centerGroup"/>
+                    </m:oMathParaPr>
+                    <m:oMath xmlns:m="http://schemas.openxmlformats.org/officeDocument/2006/math">
+                      <m:sSub>
+                        <m:sSubPr>
+                          <m:ctrlPr>
+                            <a:rPr lang="en-US" altLang="zh-CN" b="0" i="1" smtClean="0">
+                              <a:latin typeface="Cambria Math" panose="02040503050406030204" pitchFamily="18" charset="0"/>
+                            </a:rPr>
+                          </m:ctrlPr>
+                        </m:sSubPr>
+                        <m:e>
+                          <m:r>
+                            <a:rPr lang="en-US" altLang="zh-CN" b="0" i="1" smtClean="0">
+                              <a:latin typeface="Cambria Math" panose="02040503050406030204" pitchFamily="18" charset="0"/>
+                            </a:rPr>
+                            <m:t>𝑒𝑥𝑝</m:t>
+                          </m:r>
+                        </m:e>
+                        <m:sub>
+                          <m:r>
+                            <a:rPr lang="en-US" altLang="zh-CN" b="0" i="1" smtClean="0">
+                              <a:latin typeface="Cambria Math" panose="02040503050406030204" pitchFamily="18" charset="0"/>
+                            </a:rPr>
+                            <m:t>𝑣𝑎𝑙𝑢𝑒𝑠</m:t>
+                          </m:r>
+                          <m:r>
+                            <a:rPr lang="en-US" altLang="zh-CN" b="0" i="1" smtClean="0">
+                              <a:latin typeface="Cambria Math" panose="02040503050406030204" pitchFamily="18" charset="0"/>
+                            </a:rPr>
+                            <m:t>&gt;0</m:t>
+                          </m:r>
+                        </m:sub>
+                      </m:sSub>
+                      <m:r>
+                        <a:rPr lang="en-US" altLang="zh-CN" b="0" i="1" smtClean="0">
+                          <a:latin typeface="Cambria Math" panose="02040503050406030204" pitchFamily="18" charset="0"/>
+                          <a:ea typeface="Cambria Math" panose="02040503050406030204" pitchFamily="18" charset="0"/>
+                        </a:rPr>
+                        <m:t>∈[−2.32, 4.59]</m:t>
+                      </m:r>
+                    </m:oMath>
+                  </m:oMathPara>
+                </a14:m>
+                <a:endParaRPr lang="zh-CN" altLang="en-US" dirty="0"/>
+              </a:p>
+            </p:txBody>
+          </p:sp>
+        </mc:Choice>
+        <mc:Fallback>
+          <p:sp>
+            <p:nvSpPr>
+              <p:cNvPr id="8" name="文本框 7">
+                <a:extLst>
+                  <a:ext uri="{FF2B5EF4-FFF2-40B4-BE49-F238E27FC236}">
+                    <a16:creationId xmlns:a16="http://schemas.microsoft.com/office/drawing/2014/main" id="{995EC524-A446-4042-B1FD-AC68589D19B4}"/>
+                  </a:ext>
+                </a:extLst>
+              </p:cNvPr>
+              <p:cNvSpPr txBox="1">
+                <a:spLocks noRot="1" noChangeAspect="1" noMove="1" noResize="1" noEditPoints="1" noAdjustHandles="1" noChangeArrowheads="1" noChangeShapeType="1" noTextEdit="1"/>
+              </p:cNvSpPr>
+              <p:nvPr/>
+            </p:nvSpPr>
+            <p:spPr>
+              <a:xfrm>
+                <a:off x="5531887" y="2066439"/>
+                <a:ext cx="2754857" cy="276999"/>
+              </a:xfrm>
+              <a:prstGeom prst="rect">
+                <a:avLst/>
+              </a:prstGeom>
+              <a:blipFill>
+                <a:blip r:embed="rId2"/>
+                <a:stretch>
+                  <a:fillRect l="-1549" t="-4444" r="-2655" b="-37778"/>
+                </a:stretch>
+              </a:blipFill>
+            </p:spPr>
+            <p:txBody>
+              <a:bodyPr/>
+              <a:lstStyle/>
+              <a:p>
+                <a:r>
+                  <a:rPr lang="zh-CN" altLang="en-US">
+                    <a:noFill/>
+                  </a:rPr>
+                  <a:t> </a:t>
+                </a:r>
+              </a:p>
+            </p:txBody>
+          </p:sp>
+        </mc:Fallback>
+      </mc:AlternateContent>
+      <mc:AlternateContent xmlns:mc="http://schemas.openxmlformats.org/markup-compatibility/2006">
+        <mc:Choice xmlns:a14="http://schemas.microsoft.com/office/drawing/2010/main" Requires="a14">
+          <p:sp>
+            <p:nvSpPr>
+              <p:cNvPr id="9" name="文本框 8">
+                <a:extLst>
+                  <a:ext uri="{FF2B5EF4-FFF2-40B4-BE49-F238E27FC236}">
+                    <a16:creationId xmlns:a16="http://schemas.microsoft.com/office/drawing/2014/main" id="{2C5CCE39-BB2A-4B10-9E2B-2FD010279B84}"/>
+                  </a:ext>
+                </a:extLst>
+              </p:cNvPr>
+              <p:cNvSpPr txBox="1"/>
+              <p:nvPr/>
+            </p:nvSpPr>
+            <p:spPr>
+              <a:xfrm>
+                <a:off x="2717800" y="2066439"/>
+                <a:ext cx="2581732" cy="276999"/>
+              </a:xfrm>
+              <a:prstGeom prst="rect">
+                <a:avLst/>
+              </a:prstGeom>
+              <a:noFill/>
+            </p:spPr>
+            <p:txBody>
+              <a:bodyPr wrap="none" lIns="0" tIns="0" rIns="0" bIns="0" rtlCol="0">
+                <a:spAutoFit/>
+              </a:bodyPr>
+              <a:lstStyle/>
+              <a:p>
+                <a:pPr/>
+                <a14:m>
+                  <m:oMathPara xmlns:m="http://schemas.openxmlformats.org/officeDocument/2006/math">
+                    <m:oMathParaPr>
+                      <m:jc m:val="centerGroup"/>
+                    </m:oMathParaPr>
+                    <m:oMath xmlns:m="http://schemas.openxmlformats.org/officeDocument/2006/math">
+                      <m:sSub>
+                        <m:sSubPr>
+                          <m:ctrlPr>
+                            <a:rPr lang="en-US" altLang="zh-CN" b="0" i="1" smtClean="0">
+                              <a:latin typeface="Cambria Math" panose="02040503050406030204" pitchFamily="18" charset="0"/>
+                            </a:rPr>
+                          </m:ctrlPr>
+                        </m:sSubPr>
+                        <m:e>
+                          <m:r>
+                            <a:rPr lang="en-US" altLang="zh-CN" b="0" i="1" smtClean="0">
+                              <a:latin typeface="Cambria Math" panose="02040503050406030204" pitchFamily="18" charset="0"/>
+                            </a:rPr>
+                            <m:t>𝑒𝑥𝑝</m:t>
+                          </m:r>
+                        </m:e>
+                        <m:sub>
+                          <m:r>
+                            <a:rPr lang="en-US" altLang="zh-CN" b="0" i="1" smtClean="0">
+                              <a:latin typeface="Cambria Math" panose="02040503050406030204" pitchFamily="18" charset="0"/>
+                            </a:rPr>
+                            <m:t>𝑣𝑎𝑙𝑢𝑒𝑠</m:t>
+                          </m:r>
+                          <m:r>
+                            <a:rPr lang="en-US" altLang="zh-CN" b="0" i="1" smtClean="0">
+                              <a:latin typeface="Cambria Math" panose="02040503050406030204" pitchFamily="18" charset="0"/>
+                            </a:rPr>
+                            <m:t>&lt;0</m:t>
+                          </m:r>
+                        </m:sub>
+                      </m:sSub>
+                      <m:r>
+                        <a:rPr lang="en-US" altLang="zh-CN" b="0" i="1" smtClean="0">
+                          <a:latin typeface="Cambria Math" panose="02040503050406030204" pitchFamily="18" charset="0"/>
+                          <a:ea typeface="Cambria Math" panose="02040503050406030204" pitchFamily="18" charset="0"/>
+                        </a:rPr>
+                        <m:t>∈[0.26, 2.07]</m:t>
+                      </m:r>
+                    </m:oMath>
+                  </m:oMathPara>
+                </a14:m>
+                <a:endParaRPr lang="zh-CN" altLang="en-US" dirty="0"/>
+              </a:p>
+            </p:txBody>
+          </p:sp>
+        </mc:Choice>
+        <mc:Fallback>
+          <p:sp>
+            <p:nvSpPr>
+              <p:cNvPr id="9" name="文本框 8">
+                <a:extLst>
+                  <a:ext uri="{FF2B5EF4-FFF2-40B4-BE49-F238E27FC236}">
+                    <a16:creationId xmlns:a16="http://schemas.microsoft.com/office/drawing/2014/main" id="{2C5CCE39-BB2A-4B10-9E2B-2FD010279B84}"/>
+                  </a:ext>
+                </a:extLst>
+              </p:cNvPr>
+              <p:cNvSpPr txBox="1">
+                <a:spLocks noRot="1" noChangeAspect="1" noMove="1" noResize="1" noEditPoints="1" noAdjustHandles="1" noChangeArrowheads="1" noChangeShapeType="1" noTextEdit="1"/>
+              </p:cNvSpPr>
+              <p:nvPr/>
+            </p:nvSpPr>
+            <p:spPr>
+              <a:xfrm>
+                <a:off x="2717800" y="2066439"/>
+                <a:ext cx="2581732" cy="276999"/>
+              </a:xfrm>
+              <a:prstGeom prst="rect">
+                <a:avLst/>
+              </a:prstGeom>
+              <a:blipFill>
+                <a:blip r:embed="rId3"/>
+                <a:stretch>
+                  <a:fillRect l="-1655" t="-4444" r="-2837" b="-37778"/>
+                </a:stretch>
+              </a:blipFill>
+            </p:spPr>
+            <p:txBody>
+              <a:bodyPr/>
+              <a:lstStyle/>
+              <a:p>
+                <a:r>
+                  <a:rPr lang="zh-CN" altLang="en-US">
+                    <a:noFill/>
+                  </a:rPr>
+                  <a:t> </a:t>
+                </a:r>
+              </a:p>
+            </p:txBody>
+          </p:sp>
+        </mc:Fallback>
+      </mc:AlternateContent>
+      <p:sp>
+        <p:nvSpPr>
+          <p:cNvPr id="10" name="左大括号 9">
+            <a:extLst>
+              <a:ext uri="{FF2B5EF4-FFF2-40B4-BE49-F238E27FC236}">
+                <a16:creationId xmlns:a16="http://schemas.microsoft.com/office/drawing/2014/main" id="{CF44D6CA-6C7E-415E-A9A8-1FA63435083B}"/>
+              </a:ext>
+            </a:extLst>
+          </p:cNvPr>
+          <p:cNvSpPr/>
+          <p:nvPr/>
+        </p:nvSpPr>
+        <p:spPr>
+          <a:xfrm rot="16200000">
+            <a:off x="4384345" y="2699181"/>
+            <a:ext cx="147850" cy="1528765"/>
+          </a:xfrm>
+          <a:prstGeom prst="leftBrace">
+            <a:avLst/>
+          </a:prstGeom>
+          <a:ln w="12700">
+            <a:solidFill>
+              <a:schemeClr val="tx1"/>
+            </a:solidFill>
+          </a:ln>
+        </p:spPr>
+        <p:style>
+          <a:lnRef idx="1">
+            <a:schemeClr val="accent1"/>
+          </a:lnRef>
+          <a:fillRef idx="0">
+            <a:schemeClr val="accent1"/>
+          </a:fillRef>
+          <a:effectRef idx="0">
+            <a:schemeClr val="accent1"/>
+          </a:effectRef>
+          <a:fontRef idx="minor">
+            <a:schemeClr val="tx1"/>
+          </a:fontRef>
+        </p:style>
+        <p:txBody>
+          <a:bodyPr rtlCol="0" anchor="ctr"/>
+          <a:lstStyle/>
+          <a:p>
+            <a:pPr algn="ctr"/>
+            <a:endParaRPr lang="zh-CN" altLang="en-US"/>
+          </a:p>
+        </p:txBody>
+      </p:sp>
+      <p:sp>
+        <p:nvSpPr>
+          <p:cNvPr id="11" name="左大括号 10">
+            <a:extLst>
+              <a:ext uri="{FF2B5EF4-FFF2-40B4-BE49-F238E27FC236}">
+                <a16:creationId xmlns:a16="http://schemas.microsoft.com/office/drawing/2014/main" id="{A56C2E6B-46A0-476D-A8A9-FE51D1F25CE7}"/>
+              </a:ext>
+            </a:extLst>
+          </p:cNvPr>
+          <p:cNvSpPr/>
+          <p:nvPr/>
+        </p:nvSpPr>
+        <p:spPr>
+          <a:xfrm rot="16200000">
+            <a:off x="6811745" y="2424430"/>
+            <a:ext cx="147852" cy="2078264"/>
+          </a:xfrm>
+          <a:prstGeom prst="leftBrace">
+            <a:avLst/>
+          </a:prstGeom>
+          <a:ln w="12700">
+            <a:solidFill>
+              <a:schemeClr val="tx1"/>
+            </a:solidFill>
+          </a:ln>
+        </p:spPr>
+        <p:style>
+          <a:lnRef idx="1">
+            <a:schemeClr val="accent1"/>
+          </a:lnRef>
+          <a:fillRef idx="0">
+            <a:schemeClr val="accent1"/>
+          </a:fillRef>
+          <a:effectRef idx="0">
+            <a:schemeClr val="accent1"/>
+          </a:effectRef>
+          <a:fontRef idx="minor">
+            <a:schemeClr val="tx1"/>
+          </a:fontRef>
+        </p:style>
+        <p:txBody>
+          <a:bodyPr rtlCol="0" anchor="ctr"/>
+          <a:lstStyle/>
+          <a:p>
+            <a:pPr algn="ctr"/>
+            <a:endParaRPr lang="zh-CN" altLang="en-US"/>
+          </a:p>
+        </p:txBody>
+      </p:sp>
+      <p:sp>
+        <p:nvSpPr>
+          <p:cNvPr id="12" name="文本框 11">
+            <a:extLst>
+              <a:ext uri="{FF2B5EF4-FFF2-40B4-BE49-F238E27FC236}">
+                <a16:creationId xmlns:a16="http://schemas.microsoft.com/office/drawing/2014/main" id="{012FC022-F89F-40A8-9B3C-F2D317C8F847}"/>
+              </a:ext>
+            </a:extLst>
+          </p:cNvPr>
+          <p:cNvSpPr txBox="1"/>
+          <p:nvPr/>
+        </p:nvSpPr>
+        <p:spPr>
+          <a:xfrm>
+            <a:off x="3901931" y="3537488"/>
+            <a:ext cx="1112677" cy="369332"/>
+          </a:xfrm>
+          <a:prstGeom prst="rect">
+            <a:avLst/>
+          </a:prstGeom>
+          <a:noFill/>
+        </p:spPr>
+        <p:txBody>
+          <a:bodyPr wrap="none" rtlCol="0">
+            <a:spAutoFit/>
+          </a:bodyPr>
+          <a:lstStyle/>
+          <a:p>
+            <a:r>
+              <a:rPr lang="en-US" altLang="zh-CN" dirty="0">
+                <a:latin typeface="Cambria Math" panose="02040503050406030204" pitchFamily="18" charset="0"/>
+                <a:ea typeface="Cambria Math" panose="02040503050406030204" pitchFamily="18" charset="0"/>
+              </a:rPr>
+              <a:t>values&lt;0</a:t>
+            </a:r>
+            <a:endParaRPr lang="zh-CN" altLang="en-US" dirty="0">
+              <a:latin typeface="Cambria Math" panose="02040503050406030204" pitchFamily="18" charset="0"/>
+            </a:endParaRPr>
+          </a:p>
+        </p:txBody>
+      </p:sp>
+      <p:sp>
+        <p:nvSpPr>
+          <p:cNvPr id="13" name="文本框 12">
+            <a:extLst>
+              <a:ext uri="{FF2B5EF4-FFF2-40B4-BE49-F238E27FC236}">
+                <a16:creationId xmlns:a16="http://schemas.microsoft.com/office/drawing/2014/main" id="{176FE9BE-AFA7-4E30-8BF6-801DC0C50C12}"/>
+              </a:ext>
+            </a:extLst>
+          </p:cNvPr>
+          <p:cNvSpPr txBox="1"/>
+          <p:nvPr/>
+        </p:nvSpPr>
+        <p:spPr>
+          <a:xfrm>
+            <a:off x="6329332" y="3560942"/>
+            <a:ext cx="1112677" cy="369332"/>
+          </a:xfrm>
+          <a:prstGeom prst="rect">
+            <a:avLst/>
+          </a:prstGeom>
+          <a:noFill/>
+        </p:spPr>
+        <p:txBody>
+          <a:bodyPr wrap="none" rtlCol="0">
+            <a:spAutoFit/>
+          </a:bodyPr>
+          <a:lstStyle/>
+          <a:p>
+            <a:r>
+              <a:rPr lang="en-US" altLang="zh-CN" dirty="0">
+                <a:latin typeface="Cambria Math" panose="02040503050406030204" pitchFamily="18" charset="0"/>
+                <a:ea typeface="Cambria Math" panose="02040503050406030204" pitchFamily="18" charset="0"/>
+              </a:rPr>
+              <a:t>values&gt;0</a:t>
+            </a:r>
+            <a:endParaRPr lang="zh-CN" altLang="en-US" dirty="0">
+              <a:latin typeface="Cambria Math" panose="02040503050406030204" pitchFamily="18" charset="0"/>
+            </a:endParaRPr>
+          </a:p>
+        </p:txBody>
+      </p:sp>
+    </p:spTree>
+    <p:extLst>
+      <p:ext uri="{BB962C8B-B14F-4D97-AF65-F5344CB8AC3E}">
+        <p14:creationId xmlns:p14="http://schemas.microsoft.com/office/powerpoint/2010/main" val="33620341"/>
+      </p:ext>
+    </p:extLst>
+  </p:cSld>
+  <p:clrMapOvr>
+    <a:masterClrMapping/>
+  </p:clrMapOvr>
+</p:sld>
+</file>
+
 <file path=ppt/theme/theme1.xml><?xml version="1.0" encoding="utf-8"?>
 <a:theme xmlns:a="http://schemas.openxmlformats.org/drawingml/2006/main" name="Office 主题​​">
   <a:themeElements>
